--- a/docs/implementation-eventsourcing.pptx
+++ b/docs/implementation-eventsourcing.pptx
@@ -5925,14 +5925,21 @@
             <p:ph idx="1"/>
           </p:nvPr>
         </p:nvSpPr>
-        <p:spPr/>
-        <p:txBody>
-          <a:bodyPr/>
+        <p:spPr>
+          <a:xfrm>
+            <a:off x="677334" y="1416677"/>
+            <a:ext cx="8596668" cy="4624686"/>
+          </a:xfrm>
+        </p:spPr>
+        <p:txBody>
+          <a:bodyPr>
+            <a:normAutofit/>
+          </a:bodyPr>
           <a:lstStyle/>
           <a:p>
             <a:r>
               <a:rPr lang="es-BO" dirty="0" smtClean="0"/>
-              <a:t>- https</a:t>
+              <a:t>https</a:t>
             </a:r>
             <a:r>
               <a:rPr lang="es-BO" dirty="0"/>
@@ -5941,15 +5948,23 @@
           </a:p>
           <a:p>
             <a:r>
+              <a:rPr lang="es-BO" dirty="0" smtClean="0"/>
+              <a:t>https</a:t>
+            </a:r>
+            <a:r>
               <a:rPr lang="es-BO" dirty="0"/>
-              <a:t>- https://www.rabbitmq.com/features.html</a:t>
+              <a:t>://www.rabbitmq.com/features.html</a:t>
             </a:r>
             <a:endParaRPr lang="es-BO" dirty="0" smtClean="0"/>
           </a:p>
           <a:p>
             <a:r>
+              <a:rPr lang="es-BO" dirty="0" smtClean="0"/>
+              <a:t>http</a:t>
+            </a:r>
+            <a:r>
               <a:rPr lang="es-BO" dirty="0"/>
-              <a:t>- http://</a:t>
+              <a:t>://</a:t>
             </a:r>
             <a:r>
               <a:rPr lang="es-BO" dirty="0" smtClean="0"/>
@@ -5959,12 +5974,47 @@
           <a:p>
             <a:r>
               <a:rPr lang="es-BO" dirty="0" smtClean="0"/>
-              <a:t>- https</a:t>
+              <a:t>https</a:t>
             </a:r>
             <a:r>
               <a:rPr lang="es-BO" dirty="0"/>
-              <a:t>://github.com/eventuate-examples/es-kanban-board</a:t>
-            </a:r>
+              <a:t>://</a:t>
+            </a:r>
+            <a:r>
+              <a:rPr lang="es-BO" dirty="0" smtClean="0"/>
+              <a:t>github.com/eventuate-examples/es-kanban-board</a:t>
+            </a:r>
+          </a:p>
+          <a:p>
+            <a:r>
+              <a:rPr lang="es-BO" dirty="0"/>
+              <a:t>http://docs.spring.io/spring-amqp/reference/html/</a:t>
+            </a:r>
+            <a:endParaRPr lang="es-BO" dirty="0" smtClean="0"/>
+          </a:p>
+          <a:p>
+            <a:r>
+              <a:rPr lang="es-BO" dirty="0"/>
+              <a:t>https://</a:t>
+            </a:r>
+            <a:r>
+              <a:rPr lang="es-BO" dirty="0" smtClean="0"/>
+              <a:t>www.rabbitmq.com/getstarted.html</a:t>
+            </a:r>
+          </a:p>
+          <a:p>
+            <a:endParaRPr lang="es-BO" dirty="0" smtClean="0"/>
+          </a:p>
+          <a:p>
+            <a:endParaRPr lang="es-BO" dirty="0"/>
+          </a:p>
+          <a:p>
+            <a:endParaRPr lang="es-BO" dirty="0" smtClean="0"/>
+          </a:p>
+          <a:p>
+            <a:endParaRPr lang="es-BO" dirty="0"/>
+          </a:p>
+          <a:p>
             <a:endParaRPr lang="es-BO" dirty="0" smtClean="0"/>
           </a:p>
           <a:p>
@@ -9069,11 +9119,7 @@
             </a:r>
             <a:r>
               <a:rPr lang="en-US" dirty="0" smtClean="0"/>
-              <a:t> con la vista (AngularJS</a:t>
-            </a:r>
-            <a:r>
-              <a:rPr lang="en-US" dirty="0" smtClean="0"/>
-              <a:t>).</a:t>
+              <a:t> con la vista (AngularJS).</a:t>
             </a:r>
           </a:p>
           <a:p>
